--- a/Final Maze Game/Image Files/escape game background.pptx
+++ b/Final Maze Game/Image Files/escape game background.pptx
@@ -6,8 +6,9 @@
   </p:sldMasterIdLst>
   <p:sldIdLst>
     <p:sldId id="256" r:id="rId2"/>
-    <p:sldId id="257" r:id="rId3"/>
-    <p:sldId id="259" r:id="rId4"/>
+    <p:sldId id="261" r:id="rId3"/>
+    <p:sldId id="257" r:id="rId4"/>
+    <p:sldId id="259" r:id="rId5"/>
   </p:sldIdLst>
   <p:sldSz cx="9144000" cy="6858000" type="screen4x3"/>
   <p:notesSz cx="6858000" cy="9144000"/>
@@ -112,6 +113,7 @@
         <p14:section name="Untitled Section" id="{51BC9333-4848-431B-A308-3718E5AF947A}">
           <p14:sldIdLst>
             <p14:sldId id="256"/>
+            <p14:sldId id="261"/>
             <p14:sldId id="257"/>
             <p14:sldId id="259"/>
           </p14:sldIdLst>
@@ -5171,6 +5173,228 @@
             <a:avLst/>
           </a:prstGeom>
           <a:solidFill>
+            <a:srgbClr val="7030A0"/>
+          </a:solidFill>
+        </p:spPr>
+        <p:style>
+          <a:lnRef idx="2">
+            <a:schemeClr val="accent1">
+              <a:shade val="50000"/>
+            </a:schemeClr>
+          </a:lnRef>
+          <a:fillRef idx="1">
+            <a:schemeClr val="accent1"/>
+          </a:fillRef>
+          <a:effectRef idx="0">
+            <a:schemeClr val="accent1"/>
+          </a:effectRef>
+          <a:fontRef idx="minor">
+            <a:schemeClr val="lt1"/>
+          </a:fontRef>
+        </p:style>
+        <p:txBody>
+          <a:bodyPr rtlCol="0" anchor="ctr"/>
+          <a:lstStyle/>
+          <a:p>
+            <a:pPr algn="ctr"/>
+            <a:endParaRPr lang="en-CA">
+              <a:solidFill>
+                <a:srgbClr val="00B050"/>
+              </a:solidFill>
+            </a:endParaRPr>
+          </a:p>
+        </p:txBody>
+      </p:sp>
+      <p:sp>
+        <p:nvSpPr>
+          <p:cNvPr id="5" name="TextBox 4">
+            <a:extLst>
+              <a:ext uri="{FF2B5EF4-FFF2-40B4-BE49-F238E27FC236}">
+                <a16:creationId xmlns:a16="http://schemas.microsoft.com/office/drawing/2014/main" id="{5FE0F63E-AB5B-40E3-8FD3-7AB68BFC4083}"/>
+              </a:ext>
+            </a:extLst>
+          </p:cNvPr>
+          <p:cNvSpPr txBox="1"/>
+          <p:nvPr/>
+        </p:nvSpPr>
+        <p:spPr>
+          <a:xfrm>
+            <a:off x="2945422" y="877161"/>
+            <a:ext cx="5714189" cy="1862048"/>
+          </a:xfrm>
+          <a:prstGeom prst="rect">
+            <a:avLst/>
+          </a:prstGeom>
+          <a:noFill/>
+          <a:ln>
+            <a:noFill/>
+          </a:ln>
+        </p:spPr>
+        <p:txBody>
+          <a:bodyPr wrap="square" rtlCol="0">
+            <a:spAutoFit/>
+          </a:bodyPr>
+          <a:lstStyle/>
+          <a:p>
+            <a:pPr algn="ctr"/>
+            <a:r>
+              <a:rPr lang="en-CA" sz="11500" b="1" dirty="0">
+                <a:solidFill>
+                  <a:srgbClr val="FFFF00"/>
+                </a:solidFill>
+                <a:latin typeface="Jokerman" panose="04090605060D06020702" pitchFamily="82" charset="0"/>
+              </a:rPr>
+              <a:t>START</a:t>
+            </a:r>
+            <a:endParaRPr lang="en-CA" sz="2400" b="1" dirty="0">
+              <a:solidFill>
+                <a:srgbClr val="FFFF00"/>
+              </a:solidFill>
+              <a:latin typeface="Jokerman" panose="04090605060D06020702" pitchFamily="82" charset="0"/>
+            </a:endParaRPr>
+          </a:p>
+        </p:txBody>
+      </p:sp>
+      <p:sp>
+        <p:nvSpPr>
+          <p:cNvPr id="7" name="TextBox 6">
+            <a:extLst>
+              <a:ext uri="{FF2B5EF4-FFF2-40B4-BE49-F238E27FC236}">
+                <a16:creationId xmlns:a16="http://schemas.microsoft.com/office/drawing/2014/main" id="{55B351A7-ACC6-4E5F-938D-ACAE0B303F1E}"/>
+              </a:ext>
+            </a:extLst>
+          </p:cNvPr>
+          <p:cNvSpPr txBox="1"/>
+          <p:nvPr/>
+        </p:nvSpPr>
+        <p:spPr>
+          <a:xfrm>
+            <a:off x="3581675" y="3241628"/>
+            <a:ext cx="4643021" cy="2739211"/>
+          </a:xfrm>
+          <a:prstGeom prst="rect">
+            <a:avLst/>
+          </a:prstGeom>
+          <a:noFill/>
+        </p:spPr>
+        <p:txBody>
+          <a:bodyPr wrap="square" rtlCol="0">
+            <a:spAutoFit/>
+          </a:bodyPr>
+          <a:lstStyle/>
+          <a:p>
+            <a:r>
+              <a:rPr lang="en-CA" sz="4800" b="1" dirty="0">
+                <a:solidFill>
+                  <a:schemeClr val="bg1"/>
+                </a:solidFill>
+                <a:latin typeface="Jokerman" panose="04090605060D06020702" pitchFamily="82" charset="0"/>
+              </a:rPr>
+              <a:t>PICK A MAZE</a:t>
+            </a:r>
+            <a:endParaRPr lang="en-CA" sz="2800" b="1" dirty="0">
+              <a:solidFill>
+                <a:schemeClr val="bg1"/>
+              </a:solidFill>
+              <a:latin typeface="Jokerman" panose="04090605060D06020702" pitchFamily="82" charset="0"/>
+            </a:endParaRPr>
+          </a:p>
+          <a:p>
+            <a:endParaRPr lang="en-CA" sz="2800" b="1" dirty="0">
+              <a:solidFill>
+                <a:schemeClr val="bg1"/>
+              </a:solidFill>
+              <a:latin typeface="Jokerman" panose="04090605060D06020702" pitchFamily="82" charset="0"/>
+            </a:endParaRPr>
+          </a:p>
+          <a:p>
+            <a:r>
+              <a:rPr lang="en-CA" sz="3200" b="1" dirty="0">
+                <a:solidFill>
+                  <a:schemeClr val="bg1"/>
+                </a:solidFill>
+                <a:latin typeface="Jokerman" panose="04090605060D06020702" pitchFamily="82" charset="0"/>
+              </a:rPr>
+              <a:t>SWITCH 7 = EASY</a:t>
+            </a:r>
+          </a:p>
+          <a:p>
+            <a:r>
+              <a:rPr lang="en-CA" sz="3200" b="1" dirty="0">
+                <a:solidFill>
+                  <a:schemeClr val="bg1"/>
+                </a:solidFill>
+                <a:latin typeface="Jokerman" panose="04090605060D06020702" pitchFamily="82" charset="0"/>
+              </a:rPr>
+              <a:t>SWITCH 8 = MEDIUM</a:t>
+            </a:r>
+          </a:p>
+          <a:p>
+            <a:r>
+              <a:rPr lang="en-CA" sz="3200" b="1" dirty="0">
+                <a:solidFill>
+                  <a:schemeClr val="bg1"/>
+                </a:solidFill>
+                <a:latin typeface="Jokerman" panose="04090605060D06020702" pitchFamily="82" charset="0"/>
+              </a:rPr>
+              <a:t>SWITCH 9 = CRAZY</a:t>
+            </a:r>
+          </a:p>
+        </p:txBody>
+      </p:sp>
+    </p:spTree>
+    <p:extLst>
+      <p:ext uri="{BB962C8B-B14F-4D97-AF65-F5344CB8AC3E}">
+        <p14:creationId xmlns:p14="http://schemas.microsoft.com/office/powerpoint/2010/main" val="1088938911"/>
+      </p:ext>
+    </p:extLst>
+  </p:cSld>
+  <p:clrMapOvr>
+    <a:masterClrMapping/>
+  </p:clrMapOvr>
+</p:sld>
+</file>
+
+<file path=ppt/slides/slide3.xml><?xml version="1.0" encoding="utf-8"?>
+<p:sld xmlns:a="http://schemas.openxmlformats.org/drawingml/2006/main" xmlns:r="http://schemas.openxmlformats.org/officeDocument/2006/relationships" xmlns:p="http://schemas.openxmlformats.org/presentationml/2006/main">
+  <p:cSld>
+    <p:spTree>
+      <p:nvGrpSpPr>
+        <p:cNvPr id="1" name=""/>
+        <p:cNvGrpSpPr/>
+        <p:nvPr/>
+      </p:nvGrpSpPr>
+      <p:grpSpPr>
+        <a:xfrm>
+          <a:off x="0" y="0"/>
+          <a:ext cx="0" cy="0"/>
+          <a:chOff x="0" y="0"/>
+          <a:chExt cx="0" cy="0"/>
+        </a:xfrm>
+      </p:grpSpPr>
+      <p:sp>
+        <p:nvSpPr>
+          <p:cNvPr id="4" name="Rectangle 3">
+            <a:extLst>
+              <a:ext uri="{FF2B5EF4-FFF2-40B4-BE49-F238E27FC236}">
+                <a16:creationId xmlns:a16="http://schemas.microsoft.com/office/drawing/2014/main" id="{133FF781-E5AE-44E9-95BB-C98CC13E8C5A}"/>
+              </a:ext>
+            </a:extLst>
+          </p:cNvPr>
+          <p:cNvSpPr>
+            <a:spLocks noChangeAspect="1"/>
+          </p:cNvSpPr>
+          <p:nvPr/>
+        </p:nvSpPr>
+        <p:spPr>
+          <a:xfrm>
+            <a:off x="2293257" y="-1"/>
+            <a:ext cx="6850743" cy="6850743"/>
+          </a:xfrm>
+          <a:prstGeom prst="rect">
+            <a:avLst/>
+          </a:prstGeom>
+          <a:solidFill>
             <a:srgbClr val="FF0000"/>
           </a:solidFill>
         </p:spPr>
@@ -5472,7 +5696,7 @@
 </p:sld>
 </file>
 
-<file path=ppt/slides/slide3.xml><?xml version="1.0" encoding="utf-8"?>
+<file path=ppt/slides/slide4.xml><?xml version="1.0" encoding="utf-8"?>
 <p:sld xmlns:a="http://schemas.openxmlformats.org/drawingml/2006/main" xmlns:r="http://schemas.openxmlformats.org/officeDocument/2006/relationships" xmlns:p="http://schemas.openxmlformats.org/presentationml/2006/main">
   <p:cSld>
     <p:spTree>
